--- a/slides/cis108-6/Slides 4.2 - Data System Maintenance.pptx
+++ b/slides/cis108-6/Slides 4.2 - Data System Maintenance.pptx
@@ -692,14 +692,14 @@
           </a:ln>
           <a:extLst>
             <a:ext uri="{909E8E84-426E-40dd-AFC4-6F175D3DCCD1}">
-              <a14:hiddenFill xmlns="" xmlns:a14="http://schemas.microsoft.com/office/drawing/2010/main">
+              <a14:hiddenFill xmlns:a14="http://schemas.microsoft.com/office/drawing/2010/main" xmlns="">
                 <a:solidFill>
                   <a:srgbClr val="FFFFFF"/>
                 </a:solidFill>
               </a14:hiddenFill>
             </a:ext>
             <a:ext uri="{FAA26D3D-D897-4be2-8F04-BA451C77F1D7}">
-              <ma14:placeholderFlag xmlns="" xmlns:ma14="http://schemas.microsoft.com/office/mac/drawingml/2011/main" val="1"/>
+              <ma14:placeholderFlag xmlns:ma14="http://schemas.microsoft.com/office/mac/drawingml/2011/main" xmlns="" val="1"/>
             </a:ext>
           </a:extLst>
         </p:spPr>
@@ -6116,14 +6116,14 @@
           </a:ln>
           <a:extLst>
             <a:ext uri="{909E8E84-426E-40dd-AFC4-6F175D3DCCD1}">
-              <a14:hiddenFill xmlns="" xmlns:a14="http://schemas.microsoft.com/office/drawing/2010/main">
+              <a14:hiddenFill xmlns:a14="http://schemas.microsoft.com/office/drawing/2010/main" xmlns="">
                 <a:solidFill>
                   <a:srgbClr val="FFFFFF"/>
                 </a:solidFill>
               </a14:hiddenFill>
             </a:ext>
             <a:ext uri="{91240B29-F687-4f45-9708-019B960494DF}">
-              <a14:hiddenLine xmlns="" xmlns:a14="http://schemas.microsoft.com/office/drawing/2010/main" w="9525">
+              <a14:hiddenLine xmlns:a14="http://schemas.microsoft.com/office/drawing/2010/main" xmlns="" w="9525">
                 <a:solidFill>
                   <a:srgbClr val="000000"/>
                 </a:solidFill>
@@ -6580,14 +6580,14 @@
           </a:ln>
           <a:extLst>
             <a:ext uri="{909E8E84-426E-40dd-AFC4-6F175D3DCCD1}">
-              <a14:hiddenFill xmlns="" xmlns:a14="http://schemas.microsoft.com/office/drawing/2010/main">
+              <a14:hiddenFill xmlns:a14="http://schemas.microsoft.com/office/drawing/2010/main" xmlns="">
                 <a:solidFill>
                   <a:srgbClr val="FFFFFF"/>
                 </a:solidFill>
               </a14:hiddenFill>
             </a:ext>
             <a:ext uri="{91240B29-F687-4f45-9708-019B960494DF}">
-              <a14:hiddenLine xmlns="" xmlns:a14="http://schemas.microsoft.com/office/drawing/2010/main" w="9525">
+              <a14:hiddenLine xmlns:a14="http://schemas.microsoft.com/office/drawing/2010/main" xmlns="" w="9525">
                 <a:solidFill>
                   <a:srgbClr val="000000"/>
                 </a:solidFill>
@@ -6802,14 +6802,14 @@
           </a:ln>
           <a:extLst>
             <a:ext uri="{909E8E84-426E-40dd-AFC4-6F175D3DCCD1}">
-              <a14:hiddenFill xmlns="" xmlns:a14="http://schemas.microsoft.com/office/drawing/2010/main">
+              <a14:hiddenFill xmlns:a14="http://schemas.microsoft.com/office/drawing/2010/main" xmlns="">
                 <a:solidFill>
                   <a:srgbClr val="FFFFFF"/>
                 </a:solidFill>
               </a14:hiddenFill>
             </a:ext>
             <a:ext uri="{91240B29-F687-4f45-9708-019B960494DF}">
-              <a14:hiddenLine xmlns="" xmlns:a14="http://schemas.microsoft.com/office/drawing/2010/main" w="9525">
+              <a14:hiddenLine xmlns:a14="http://schemas.microsoft.com/office/drawing/2010/main" xmlns="" w="9525">
                 <a:solidFill>
                   <a:srgbClr val="000000"/>
                 </a:solidFill>
@@ -7158,14 +7158,14 @@
           </a:ln>
           <a:extLst>
             <a:ext uri="{909E8E84-426E-40dd-AFC4-6F175D3DCCD1}">
-              <a14:hiddenFill xmlns="" xmlns:a14="http://schemas.microsoft.com/office/drawing/2010/main">
+              <a14:hiddenFill xmlns:a14="http://schemas.microsoft.com/office/drawing/2010/main" xmlns="">
                 <a:solidFill>
                   <a:srgbClr val="FFFFFF"/>
                 </a:solidFill>
               </a14:hiddenFill>
             </a:ext>
             <a:ext uri="{91240B29-F687-4f45-9708-019B960494DF}">
-              <a14:hiddenLine xmlns="" xmlns:a14="http://schemas.microsoft.com/office/drawing/2010/main" w="9525">
+              <a14:hiddenLine xmlns:a14="http://schemas.microsoft.com/office/drawing/2010/main" xmlns="" w="9525">
                 <a:solidFill>
                   <a:srgbClr val="000000"/>
                 </a:solidFill>
@@ -7501,14 +7501,14 @@
           </a:ln>
           <a:extLst>
             <a:ext uri="{909E8E84-426E-40dd-AFC4-6F175D3DCCD1}">
-              <a14:hiddenFill xmlns="" xmlns:a14="http://schemas.microsoft.com/office/drawing/2010/main">
+              <a14:hiddenFill xmlns:a14="http://schemas.microsoft.com/office/drawing/2010/main" xmlns="">
                 <a:solidFill>
                   <a:srgbClr val="FFFFFF"/>
                 </a:solidFill>
               </a14:hiddenFill>
             </a:ext>
             <a:ext uri="{91240B29-F687-4f45-9708-019B960494DF}">
-              <a14:hiddenLine xmlns="" xmlns:a14="http://schemas.microsoft.com/office/drawing/2010/main" w="9525">
+              <a14:hiddenLine xmlns:a14="http://schemas.microsoft.com/office/drawing/2010/main" xmlns="" w="9525">
                 <a:solidFill>
                   <a:srgbClr val="000000"/>
                 </a:solidFill>
@@ -7891,14 +7891,14 @@
           </a:ln>
           <a:extLst>
             <a:ext uri="{909E8E84-426E-40dd-AFC4-6F175D3DCCD1}">
-              <a14:hiddenFill xmlns="" xmlns:a14="http://schemas.microsoft.com/office/drawing/2010/main">
+              <a14:hiddenFill xmlns:a14="http://schemas.microsoft.com/office/drawing/2010/main" xmlns="">
                 <a:solidFill>
                   <a:srgbClr val="FFFFFF"/>
                 </a:solidFill>
               </a14:hiddenFill>
             </a:ext>
             <a:ext uri="{91240B29-F687-4f45-9708-019B960494DF}">
-              <a14:hiddenLine xmlns="" xmlns:a14="http://schemas.microsoft.com/office/drawing/2010/main" w="9525">
+              <a14:hiddenLine xmlns:a14="http://schemas.microsoft.com/office/drawing/2010/main" xmlns="" w="9525">
                 <a:solidFill>
                   <a:srgbClr val="000000"/>
                 </a:solidFill>
@@ -7908,7 +7908,7 @@
               </a14:hiddenLine>
             </a:ext>
             <a:ext uri="{FAA26D3D-D897-4be2-8F04-BA451C77F1D7}">
-              <ma14:placeholderFlag xmlns="" xmlns:ma14="http://schemas.microsoft.com/office/mac/drawingml/2011/main" val="1"/>
+              <ma14:placeholderFlag xmlns:ma14="http://schemas.microsoft.com/office/mac/drawingml/2011/main" xmlns="" val="1"/>
             </a:ext>
           </a:extLst>
         </p:spPr>
@@ -7980,14 +7980,14 @@
           </a:ln>
           <a:extLst>
             <a:ext uri="{909E8E84-426E-40dd-AFC4-6F175D3DCCD1}">
-              <a14:hiddenFill xmlns="" xmlns:a14="http://schemas.microsoft.com/office/drawing/2010/main">
+              <a14:hiddenFill xmlns:a14="http://schemas.microsoft.com/office/drawing/2010/main" xmlns="">
                 <a:solidFill>
                   <a:srgbClr val="FFFFFF"/>
                 </a:solidFill>
               </a14:hiddenFill>
             </a:ext>
             <a:ext uri="{91240B29-F687-4f45-9708-019B960494DF}">
-              <a14:hiddenLine xmlns="" xmlns:a14="http://schemas.microsoft.com/office/drawing/2010/main" w="9525">
+              <a14:hiddenLine xmlns:a14="http://schemas.microsoft.com/office/drawing/2010/main" xmlns="" w="9525">
                 <a:solidFill>
                   <a:srgbClr val="000000"/>
                 </a:solidFill>
@@ -7997,7 +7997,7 @@
               </a14:hiddenLine>
             </a:ext>
             <a:ext uri="{FAA26D3D-D897-4be2-8F04-BA451C77F1D7}">
-              <ma14:placeholderFlag xmlns="" xmlns:ma14="http://schemas.microsoft.com/office/mac/drawingml/2011/main" val="1"/>
+              <ma14:placeholderFlag xmlns:ma14="http://schemas.microsoft.com/office/mac/drawingml/2011/main" xmlns="" val="1"/>
             </a:ext>
           </a:extLst>
         </p:spPr>
@@ -9976,8 +9976,8 @@
         </p:nvSpPr>
         <p:spPr>
           <a:xfrm>
-            <a:off x="1259632" y="1556792"/>
-            <a:ext cx="7350968" cy="4680520"/>
+            <a:off x="611560" y="1556792"/>
+            <a:ext cx="7999040" cy="4680520"/>
           </a:xfrm>
         </p:spPr>
         <p:txBody>
@@ -10354,7 +10354,12 @@
             <p:ph idx="1"/>
           </p:nvPr>
         </p:nvSpPr>
-        <p:spPr/>
+        <p:spPr>
+          <a:xfrm>
+            <a:off x="827584" y="1556792"/>
+            <a:ext cx="7783016" cy="4680520"/>
+          </a:xfrm>
+        </p:spPr>
         <p:txBody>
           <a:bodyPr/>
           <a:lstStyle/>
@@ -15299,14 +15304,14 @@
           </a:ln>
           <a:extLst>
             <a:ext uri="{909E8E84-426E-40dd-AFC4-6F175D3DCCD1}">
-              <a14:hiddenFill xmlns="" xmlns:a14="http://schemas.microsoft.com/office/drawing/2010/main">
+              <a14:hiddenFill xmlns:a14="http://schemas.microsoft.com/office/drawing/2010/main" xmlns="">
                 <a:solidFill>
                   <a:srgbClr val="FFFFFF"/>
                 </a:solidFill>
               </a14:hiddenFill>
             </a:ext>
             <a:ext uri="{91240B29-F687-4f45-9708-019B960494DF}">
-              <a14:hiddenLine xmlns="" xmlns:a14="http://schemas.microsoft.com/office/drawing/2010/main" w="9525">
+              <a14:hiddenLine xmlns:a14="http://schemas.microsoft.com/office/drawing/2010/main" xmlns="" w="9525">
                 <a:solidFill>
                   <a:srgbClr val="000000"/>
                 </a:solidFill>
@@ -15466,14 +15471,14 @@
           </a:ln>
           <a:extLst>
             <a:ext uri="{909E8E84-426E-40dd-AFC4-6F175D3DCCD1}">
-              <a14:hiddenFill xmlns="" xmlns:a14="http://schemas.microsoft.com/office/drawing/2010/main">
+              <a14:hiddenFill xmlns:a14="http://schemas.microsoft.com/office/drawing/2010/main" xmlns="">
                 <a:solidFill>
                   <a:srgbClr val="FFFFFF"/>
                 </a:solidFill>
               </a14:hiddenFill>
             </a:ext>
             <a:ext uri="{91240B29-F687-4f45-9708-019B960494DF}">
-              <a14:hiddenLine xmlns="" xmlns:a14="http://schemas.microsoft.com/office/drawing/2010/main" w="9525">
+              <a14:hiddenLine xmlns:a14="http://schemas.microsoft.com/office/drawing/2010/main" xmlns="" w="9525">
                 <a:solidFill>
                   <a:srgbClr val="000000"/>
                 </a:solidFill>
@@ -15633,14 +15638,14 @@
           </a:ln>
           <a:extLst>
             <a:ext uri="{909E8E84-426E-40dd-AFC4-6F175D3DCCD1}">
-              <a14:hiddenFill xmlns="" xmlns:a14="http://schemas.microsoft.com/office/drawing/2010/main">
+              <a14:hiddenFill xmlns:a14="http://schemas.microsoft.com/office/drawing/2010/main" xmlns="">
                 <a:solidFill>
                   <a:srgbClr val="FFFFFF"/>
                 </a:solidFill>
               </a14:hiddenFill>
             </a:ext>
             <a:ext uri="{91240B29-F687-4f45-9708-019B960494DF}">
-              <a14:hiddenLine xmlns="" xmlns:a14="http://schemas.microsoft.com/office/drawing/2010/main" w="9525">
+              <a14:hiddenLine xmlns:a14="http://schemas.microsoft.com/office/drawing/2010/main" xmlns="" w="9525">
                 <a:solidFill>
                   <a:srgbClr val="000000"/>
                 </a:solidFill>
@@ -15800,14 +15805,14 @@
           </a:ln>
           <a:extLst>
             <a:ext uri="{909E8E84-426E-40dd-AFC4-6F175D3DCCD1}">
-              <a14:hiddenFill xmlns="" xmlns:a14="http://schemas.microsoft.com/office/drawing/2010/main">
+              <a14:hiddenFill xmlns:a14="http://schemas.microsoft.com/office/drawing/2010/main" xmlns="">
                 <a:solidFill>
                   <a:srgbClr val="FFFFFF"/>
                 </a:solidFill>
               </a14:hiddenFill>
             </a:ext>
             <a:ext uri="{91240B29-F687-4f45-9708-019B960494DF}">
-              <a14:hiddenLine xmlns="" xmlns:a14="http://schemas.microsoft.com/office/drawing/2010/main" w="9525">
+              <a14:hiddenLine xmlns:a14="http://schemas.microsoft.com/office/drawing/2010/main" xmlns="" w="9525">
                 <a:solidFill>
                   <a:srgbClr val="000000"/>
                 </a:solidFill>
@@ -15967,14 +15972,14 @@
           </a:ln>
           <a:extLst>
             <a:ext uri="{909E8E84-426E-40dd-AFC4-6F175D3DCCD1}">
-              <a14:hiddenFill xmlns="" xmlns:a14="http://schemas.microsoft.com/office/drawing/2010/main">
+              <a14:hiddenFill xmlns:a14="http://schemas.microsoft.com/office/drawing/2010/main" xmlns="">
                 <a:solidFill>
                   <a:srgbClr val="FFFFFF"/>
                 </a:solidFill>
               </a14:hiddenFill>
             </a:ext>
             <a:ext uri="{91240B29-F687-4f45-9708-019B960494DF}">
-              <a14:hiddenLine xmlns="" xmlns:a14="http://schemas.microsoft.com/office/drawing/2010/main" w="9525">
+              <a14:hiddenLine xmlns:a14="http://schemas.microsoft.com/office/drawing/2010/main" xmlns="" w="9525">
                 <a:solidFill>
                   <a:srgbClr val="000000"/>
                 </a:solidFill>
@@ -16134,14 +16139,14 @@
           </a:ln>
           <a:extLst>
             <a:ext uri="{909E8E84-426E-40dd-AFC4-6F175D3DCCD1}">
-              <a14:hiddenFill xmlns="" xmlns:a14="http://schemas.microsoft.com/office/drawing/2010/main">
+              <a14:hiddenFill xmlns:a14="http://schemas.microsoft.com/office/drawing/2010/main" xmlns="">
                 <a:solidFill>
                   <a:srgbClr val="FFFFFF"/>
                 </a:solidFill>
               </a14:hiddenFill>
             </a:ext>
             <a:ext uri="{91240B29-F687-4f45-9708-019B960494DF}">
-              <a14:hiddenLine xmlns="" xmlns:a14="http://schemas.microsoft.com/office/drawing/2010/main" w="9525">
+              <a14:hiddenLine xmlns:a14="http://schemas.microsoft.com/office/drawing/2010/main" xmlns="" w="9525">
                 <a:solidFill>
                   <a:srgbClr val="000000"/>
                 </a:solidFill>
@@ -16301,14 +16306,14 @@
           </a:ln>
           <a:extLst>
             <a:ext uri="{909E8E84-426E-40dd-AFC4-6F175D3DCCD1}">
-              <a14:hiddenFill xmlns="" xmlns:a14="http://schemas.microsoft.com/office/drawing/2010/main">
+              <a14:hiddenFill xmlns:a14="http://schemas.microsoft.com/office/drawing/2010/main" xmlns="">
                 <a:solidFill>
                   <a:srgbClr val="FFFFFF"/>
                 </a:solidFill>
               </a14:hiddenFill>
             </a:ext>
             <a:ext uri="{91240B29-F687-4f45-9708-019B960494DF}">
-              <a14:hiddenLine xmlns="" xmlns:a14="http://schemas.microsoft.com/office/drawing/2010/main" w="9525">
+              <a14:hiddenLine xmlns:a14="http://schemas.microsoft.com/office/drawing/2010/main" xmlns="" w="9525">
                 <a:solidFill>
                   <a:srgbClr val="000000"/>
                 </a:solidFill>
@@ -16771,14 +16776,14 @@
           </a:ln>
           <a:extLst>
             <a:ext uri="{909E8E84-426E-40dd-AFC4-6F175D3DCCD1}">
-              <a14:hiddenFill xmlns="" xmlns:a14="http://schemas.microsoft.com/office/drawing/2010/main">
+              <a14:hiddenFill xmlns:a14="http://schemas.microsoft.com/office/drawing/2010/main" xmlns="">
                 <a:solidFill>
                   <a:srgbClr val="FFFFFF"/>
                 </a:solidFill>
               </a14:hiddenFill>
             </a:ext>
             <a:ext uri="{91240B29-F687-4f45-9708-019B960494DF}">
-              <a14:hiddenLine xmlns="" xmlns:a14="http://schemas.microsoft.com/office/drawing/2010/main" w="9525">
+              <a14:hiddenLine xmlns:a14="http://schemas.microsoft.com/office/drawing/2010/main" xmlns="" w="9525">
                 <a:solidFill>
                   <a:srgbClr val="000000"/>
                 </a:solidFill>
@@ -16986,14 +16991,14 @@
           </a:ln>
           <a:extLst>
             <a:ext uri="{909E8E84-426E-40dd-AFC4-6F175D3DCCD1}">
-              <a14:hiddenFill xmlns="" xmlns:a14="http://schemas.microsoft.com/office/drawing/2010/main">
+              <a14:hiddenFill xmlns:a14="http://schemas.microsoft.com/office/drawing/2010/main" xmlns="">
                 <a:solidFill>
                   <a:srgbClr val="FFFFFF"/>
                 </a:solidFill>
               </a14:hiddenFill>
             </a:ext>
             <a:ext uri="{91240B29-F687-4f45-9708-019B960494DF}">
-              <a14:hiddenLine xmlns="" xmlns:a14="http://schemas.microsoft.com/office/drawing/2010/main" w="9525">
+              <a14:hiddenLine xmlns:a14="http://schemas.microsoft.com/office/drawing/2010/main" xmlns="" w="9525">
                 <a:solidFill>
                   <a:srgbClr val="000000"/>
                 </a:solidFill>
@@ -20338,14 +20343,14 @@
           </a:ln>
           <a:extLst>
             <a:ext uri="{909E8E84-426E-40dd-AFC4-6F175D3DCCD1}">
-              <a14:hiddenFill xmlns="" xmlns:a14="http://schemas.microsoft.com/office/drawing/2010/main">
+              <a14:hiddenFill xmlns:a14="http://schemas.microsoft.com/office/drawing/2010/main" xmlns="">
                 <a:solidFill>
                   <a:srgbClr val="FFFFFF"/>
                 </a:solidFill>
               </a14:hiddenFill>
             </a:ext>
             <a:ext uri="{91240B29-F687-4f45-9708-019B960494DF}">
-              <a14:hiddenLine xmlns="" xmlns:a14="http://schemas.microsoft.com/office/drawing/2010/main" w="9525">
+              <a14:hiddenLine xmlns:a14="http://schemas.microsoft.com/office/drawing/2010/main" xmlns="" w="9525">
                 <a:solidFill>
                   <a:srgbClr val="000000"/>
                 </a:solidFill>
@@ -21479,14 +21484,14 @@
           </a:ln>
           <a:extLst>
             <a:ext uri="{909E8E84-426E-40dd-AFC4-6F175D3DCCD1}">
-              <a14:hiddenFill xmlns="" xmlns:a14="http://schemas.microsoft.com/office/drawing/2010/main">
+              <a14:hiddenFill xmlns:a14="http://schemas.microsoft.com/office/drawing/2010/main" xmlns="">
                 <a:solidFill>
                   <a:srgbClr val="FFFFFF"/>
                 </a:solidFill>
               </a14:hiddenFill>
             </a:ext>
             <a:ext uri="{91240B29-F687-4f45-9708-019B960494DF}">
-              <a14:hiddenLine xmlns="" xmlns:a14="http://schemas.microsoft.com/office/drawing/2010/main" w="9525">
+              <a14:hiddenLine xmlns:a14="http://schemas.microsoft.com/office/drawing/2010/main" xmlns="" w="9525">
                 <a:solidFill>
                   <a:srgbClr val="000000"/>
                 </a:solidFill>
@@ -23532,14 +23537,14 @@
           </a:ln>
           <a:extLst>
             <a:ext uri="{909E8E84-426E-40dd-AFC4-6F175D3DCCD1}">
-              <a14:hiddenFill xmlns="" xmlns:a14="http://schemas.microsoft.com/office/drawing/2010/main">
+              <a14:hiddenFill xmlns:a14="http://schemas.microsoft.com/office/drawing/2010/main" xmlns="">
                 <a:solidFill>
                   <a:srgbClr val="FFFFFF"/>
                 </a:solidFill>
               </a14:hiddenFill>
             </a:ext>
             <a:ext uri="{91240B29-F687-4f45-9708-019B960494DF}">
-              <a14:hiddenLine xmlns="" xmlns:a14="http://schemas.microsoft.com/office/drawing/2010/main" w="9525">
+              <a14:hiddenLine xmlns:a14="http://schemas.microsoft.com/office/drawing/2010/main" xmlns="" w="9525">
                 <a:solidFill>
                   <a:srgbClr val="000000"/>
                 </a:solidFill>
